--- a/AskFin_AI 금융 대화형 금융 분석 플랫폼.pptx
+++ b/AskFin_AI 금융 대화형 금융 분석 플랫폼.pptx
@@ -270,7 +270,7 @@
       </p15:sldGuideLst>
     </p:ext>
     <p:ext uri="GoogleSlidesCustomDataVersion2">
-      <go:slidesCustomData xmlns="" xmlns:mc="http://schemas.openxmlformats.org/markup-compatibility/2006" xmlns:mv="urn:schemas-microsoft-com:mac:vml" xmlns:c="http://schemas.openxmlformats.org/drawingml/2006/chart" xmlns:dgm="http://schemas.openxmlformats.org/drawingml/2006/diagram" xmlns:o="urn:schemas-microsoft-com:office:office" xmlns:v="urn:schemas-microsoft-com:vml" xmlns:pvml="urn:schemas-microsoft-com:office:powerpoint" xmlns:com="http://schemas.openxmlformats.org/drawingml/2006/compatibility" xmlns:p14="http://schemas.microsoft.com/office/powerpoint/2010/main" xmlns:p15="http://schemas.microsoft.com/office/powerpoint/2012/main" xmlns:ahyp="http://schemas.microsoft.com/office/drawing/2018/hyperlinkcolor" xmlns:go="http://customooxmlschemas.google.com/" r:id="rId21" roundtripDataSignature="AMtx7mi7kz5udKMTdIa+vSTiHgvn813JZg=="/>
+      <go:slidesCustomData xmlns:go="http://customooxmlschemas.google.com/" xmlns:ahyp="http://schemas.microsoft.com/office/drawing/2018/hyperlinkcolor" xmlns:p15="http://schemas.microsoft.com/office/powerpoint/2012/main" xmlns:p14="http://schemas.microsoft.com/office/powerpoint/2010/main" xmlns:com="http://schemas.openxmlformats.org/drawingml/2006/compatibility" xmlns:pvml="urn:schemas-microsoft-com:office:powerpoint" xmlns:v="urn:schemas-microsoft-com:vml" xmlns:o="urn:schemas-microsoft-com:office:office" xmlns:dgm="http://schemas.openxmlformats.org/drawingml/2006/diagram" xmlns:c="http://schemas.openxmlformats.org/drawingml/2006/chart" xmlns:mv="urn:schemas-microsoft-com:mac:vml" xmlns:mc="http://schemas.openxmlformats.org/markup-compatibility/2006" xmlns="" r:id="rId21" roundtripDataSignature="AMtx7mi7kz5udKMTdIa+vSTiHgvn813JZg=="/>
     </p:ext>
   </p:extLst>
 </p:presentation>
@@ -13471,39 +13471,12 @@
       </p:sp>
       <p:pic>
         <p:nvPicPr>
-          <p:cNvPr id="196" name="Google Shape;196;p10" descr="sqlalchemy] Entity.metadata.create_all() 자동으로 테이블 생성하기"/>
+          <p:cNvPr id="197" name="Google Shape;197;p10" descr="Flask Logo PNG Transparent &amp; SVG Vector - Freebie Supply"/>
           <p:cNvPicPr preferRelativeResize="0"/>
           <p:nvPr/>
         </p:nvPicPr>
         <p:blipFill rotWithShape="1">
           <a:blip r:embed="rId3">
-            <a:alphaModFix/>
-          </a:blip>
-          <a:srcRect/>
-          <a:stretch/>
-        </p:blipFill>
-        <p:spPr>
-          <a:xfrm>
-            <a:off x="8333084" y="7973080"/>
-            <a:ext cx="1606592" cy="642637"/>
-          </a:xfrm>
-          <a:prstGeom prst="rect">
-            <a:avLst/>
-          </a:prstGeom>
-          <a:noFill/>
-          <a:ln>
-            <a:noFill/>
-          </a:ln>
-        </p:spPr>
-      </p:pic>
-      <p:pic>
-        <p:nvPicPr>
-          <p:cNvPr id="197" name="Google Shape;197;p10" descr="Flask Logo PNG Transparent &amp; SVG Vector - Freebie Supply"/>
-          <p:cNvPicPr preferRelativeResize="0"/>
-          <p:nvPr/>
-        </p:nvPicPr>
-        <p:blipFill rotWithShape="1">
-          <a:blip r:embed="rId4">
             <a:alphaModFix/>
           </a:blip>
           <a:srcRect/>
@@ -13530,7 +13503,7 @@
           <p:nvPr/>
         </p:nvPicPr>
         <p:blipFill rotWithShape="1">
-          <a:blip r:embed="rId5">
+          <a:blip r:embed="rId4">
             <a:alphaModFix/>
           </a:blip>
           <a:srcRect/>
@@ -13557,7 +13530,7 @@
           <p:nvPr/>
         </p:nvPicPr>
         <p:blipFill rotWithShape="1">
-          <a:blip r:embed="rId6">
+          <a:blip r:embed="rId5">
             <a:alphaModFix/>
           </a:blip>
           <a:srcRect/>
@@ -13584,7 +13557,7 @@
           <p:nvPr/>
         </p:nvPicPr>
         <p:blipFill rotWithShape="1">
-          <a:blip r:embed="rId7">
+          <a:blip r:embed="rId6">
             <a:alphaModFix/>
           </a:blip>
           <a:srcRect/>
@@ -13611,7 +13584,7 @@
           <p:nvPr/>
         </p:nvPicPr>
         <p:blipFill rotWithShape="1">
-          <a:blip r:embed="rId8">
+          <a:blip r:embed="rId7">
             <a:alphaModFix/>
           </a:blip>
           <a:srcRect/>
@@ -13619,8 +13592,8 @@
         </p:blipFill>
         <p:spPr>
           <a:xfrm rot="10800000" flipH="1">
-            <a:off x="2691372" y="7857835"/>
-            <a:ext cx="873126" cy="873126"/>
+            <a:off x="2588422" y="7669021"/>
+            <a:ext cx="1079026" cy="1079026"/>
           </a:xfrm>
           <a:prstGeom prst="rect">
             <a:avLst/>
@@ -13638,7 +13611,7 @@
           <p:nvPr/>
         </p:nvPicPr>
         <p:blipFill rotWithShape="1">
-          <a:blip r:embed="rId9">
+          <a:blip r:embed="rId8">
             <a:alphaModFix/>
           </a:blip>
           <a:srcRect/>
@@ -14041,28 +14014,32 @@
           </a:bodyPr>
           <a:lstStyle/>
           <a:p>
-            <a:pPr marL="0" marR="0" lvl="0" indent="0" algn="ctr" rtl="0">
-              <a:spcBef>
-                <a:spcPts val="0"/>
-              </a:spcBef>
-              <a:spcAft>
-                <a:spcPts val="0"/>
-              </a:spcAft>
-              <a:buNone/>
-            </a:pPr>
+            <a:pPr lvl="0" algn="ctr"/>
             <a:r>
-              <a:rPr lang="ko-KR" sz="1760">
+              <a:rPr lang="ko-KR" altLang="en-US" sz="1760" dirty="0">
                 <a:solidFill>
                   <a:schemeClr val="lt1"/>
                 </a:solidFill>
-                <a:latin typeface="Arial"/>
-                <a:ea typeface="Arial"/>
-                <a:cs typeface="Arial"/>
-                <a:sym typeface="Arial"/>
               </a:rPr>
-              <a:t>MySQL 데이터베이스 연동(ORM)</a:t>
+              <a:t>사용자 인증</a:t>
             </a:r>
-            <a:endParaRPr sz="1760">
+            <a:r>
+              <a:rPr lang="en-US" altLang="ko-KR" sz="1760" dirty="0">
+                <a:solidFill>
+                  <a:schemeClr val="lt1"/>
+                </a:solidFill>
+              </a:rPr>
+              <a:t>, </a:t>
+            </a:r>
+            <a:r>
+              <a:rPr lang="ko-KR" altLang="en-US" sz="1760" dirty="0">
+                <a:solidFill>
+                  <a:schemeClr val="lt1"/>
+                </a:solidFill>
+              </a:rPr>
+              <a:t>서버측 토큰 검증</a:t>
+            </a:r>
+            <a:endParaRPr sz="1760" dirty="0">
               <a:solidFill>
                 <a:schemeClr val="lt1"/>
               </a:solidFill>
@@ -14081,7 +14058,7 @@
           <p:nvPr/>
         </p:nvPicPr>
         <p:blipFill rotWithShape="1">
-          <a:blip r:embed="rId10">
+          <a:blip r:embed="rId9">
             <a:alphaModFix/>
           </a:blip>
           <a:srcRect/>
@@ -14158,7 +14135,7 @@
           <p:nvPr/>
         </p:nvPicPr>
         <p:blipFill rotWithShape="1">
-          <a:blip r:embed="rId11">
+          <a:blip r:embed="rId10">
             <a:alphaModFix/>
           </a:blip>
           <a:srcRect/>
@@ -14230,6 +14207,47 @@
           </a:ln>
         </p:spPr>
       </p:cxnSp>
+      <p:pic>
+        <p:nvPicPr>
+          <p:cNvPr id="1026" name="Picture 2" descr="Firebase logo vector download free SVG PNG - 2"/>
+          <p:cNvPicPr>
+            <a:picLocks noChangeAspect="1" noChangeArrowheads="1"/>
+          </p:cNvPicPr>
+          <p:nvPr/>
+        </p:nvPicPr>
+        <p:blipFill>
+          <a:blip r:embed="rId11">
+            <a:extLst>
+              <a:ext uri="{28A0092B-C50C-407E-A947-70E740481C1C}">
+                <a14:useLocalDpi xmlns:a14="http://schemas.microsoft.com/office/drawing/2010/main" val="0"/>
+              </a:ext>
+            </a:extLst>
+          </a:blip>
+          <a:srcRect/>
+          <a:stretch>
+            <a:fillRect/>
+          </a:stretch>
+        </p:blipFill>
+        <p:spPr bwMode="auto">
+          <a:xfrm>
+            <a:off x="8585283" y="7649819"/>
+            <a:ext cx="1117430" cy="1117430"/>
+          </a:xfrm>
+          <a:prstGeom prst="rect">
+            <a:avLst/>
+          </a:prstGeom>
+          <a:noFill/>
+          <a:extLst>
+            <a:ext uri="{909E8E84-426E-40DD-AFC4-6F175D3DCCD1}">
+              <a14:hiddenFill xmlns:a14="http://schemas.microsoft.com/office/drawing/2010/main">
+                <a:solidFill>
+                  <a:srgbClr val="FFFFFF"/>
+                </a:solidFill>
+              </a14:hiddenFill>
+            </a:ext>
+          </a:extLst>
+        </p:spPr>
+      </p:pic>
     </p:spTree>
   </p:cSld>
   <p:clrMapOvr>
